--- a/教案/第3章 问题复杂性.pptx
+++ b/教案/第3章 问题复杂性.pptx
@@ -994,7 +994,7 @@
           <a:p>
             <a:fld id="{7B9FDDD0-F430-4622-8B7B-3323484350E4}" type="datetimeFigureOut">
               <a:rPr lang="zh-CN" altLang="en-US" smtClean="0"/>
-              <a:t>2018-5-22</a:t>
+              <a:t>2019/6/4</a:t>
             </a:fld>
             <a:endParaRPr lang="zh-CN" altLang="en-US"/>
           </a:p>
@@ -4796,7 +4796,7 @@
           <a:p>
             <a:fld id="{6A96AF3A-562B-497D-B2C7-CA2FDFE65255}" type="datetimeFigureOut">
               <a:rPr lang="zh-CN" altLang="en-US" smtClean="0"/>
-              <a:t>2018-5-22</a:t>
+              <a:t>2019/6/4</a:t>
             </a:fld>
             <a:endParaRPr lang="zh-CN" altLang="en-US"/>
           </a:p>
@@ -5128,7 +5128,7 @@
           <a:p>
             <a:fld id="{6A96AF3A-562B-497D-B2C7-CA2FDFE65255}" type="datetimeFigureOut">
               <a:rPr lang="zh-CN" altLang="en-US" smtClean="0"/>
-              <a:t>2018-5-22</a:t>
+              <a:t>2019/6/4</a:t>
             </a:fld>
             <a:endParaRPr lang="zh-CN" altLang="en-US"/>
           </a:p>
@@ -5527,7 +5527,7 @@
           <a:p>
             <a:fld id="{6A96AF3A-562B-497D-B2C7-CA2FDFE65255}" type="datetimeFigureOut">
               <a:rPr lang="zh-CN" altLang="en-US" smtClean="0"/>
-              <a:t>2018-5-22</a:t>
+              <a:t>2019/6/4</a:t>
             </a:fld>
             <a:endParaRPr lang="zh-CN" altLang="en-US"/>
           </a:p>
@@ -5861,7 +5861,7 @@
           <a:p>
             <a:fld id="{6A96AF3A-562B-497D-B2C7-CA2FDFE65255}" type="datetimeFigureOut">
               <a:rPr lang="zh-CN" altLang="en-US" smtClean="0"/>
-              <a:t>2018-5-22</a:t>
+              <a:t>2019/6/4</a:t>
             </a:fld>
             <a:endParaRPr lang="zh-CN" altLang="en-US"/>
           </a:p>
@@ -6179,7 +6179,7 @@
           <a:p>
             <a:fld id="{6A96AF3A-562B-497D-B2C7-CA2FDFE65255}" type="datetimeFigureOut">
               <a:rPr lang="zh-CN" altLang="en-US" smtClean="0"/>
-              <a:t>2018-5-22</a:t>
+              <a:t>2019/6/4</a:t>
             </a:fld>
             <a:endParaRPr lang="zh-CN" altLang="en-US"/>
           </a:p>
@@ -6573,7 +6573,7 @@
           <a:p>
             <a:fld id="{6A96AF3A-562B-497D-B2C7-CA2FDFE65255}" type="datetimeFigureOut">
               <a:rPr lang="zh-CN" altLang="en-US" smtClean="0"/>
-              <a:t>2018-5-22</a:t>
+              <a:t>2019/6/4</a:t>
             </a:fld>
             <a:endParaRPr lang="zh-CN" altLang="en-US"/>
           </a:p>
@@ -6828,7 +6828,7 @@
           <a:p>
             <a:fld id="{6A96AF3A-562B-497D-B2C7-CA2FDFE65255}" type="datetimeFigureOut">
               <a:rPr lang="zh-CN" altLang="en-US" smtClean="0"/>
-              <a:t>2018-5-22</a:t>
+              <a:t>2019/6/4</a:t>
             </a:fld>
             <a:endParaRPr lang="zh-CN" altLang="en-US"/>
           </a:p>
@@ -7088,7 +7088,7 @@
           <a:p>
             <a:fld id="{6A96AF3A-562B-497D-B2C7-CA2FDFE65255}" type="datetimeFigureOut">
               <a:rPr lang="zh-CN" altLang="en-US" smtClean="0"/>
-              <a:t>2018-5-22</a:t>
+              <a:t>2019/6/4</a:t>
             </a:fld>
             <a:endParaRPr lang="zh-CN" altLang="en-US"/>
           </a:p>
@@ -7379,7 +7379,7 @@
           <a:p>
             <a:fld id="{6A96AF3A-562B-497D-B2C7-CA2FDFE65255}" type="datetimeFigureOut">
               <a:rPr lang="zh-CN" altLang="en-US" smtClean="0"/>
-              <a:t>2018-5-22</a:t>
+              <a:t>2019/6/4</a:t>
             </a:fld>
             <a:endParaRPr lang="zh-CN" altLang="en-US"/>
           </a:p>
@@ -7706,7 +7706,7 @@
           <a:p>
             <a:fld id="{6A96AF3A-562B-497D-B2C7-CA2FDFE65255}" type="datetimeFigureOut">
               <a:rPr lang="zh-CN" altLang="en-US" smtClean="0"/>
-              <a:t>2018-5-22</a:t>
+              <a:t>2019/6/4</a:t>
             </a:fld>
             <a:endParaRPr lang="zh-CN" altLang="en-US"/>
           </a:p>
@@ -8027,7 +8027,7 @@
           <a:p>
             <a:fld id="{6A96AF3A-562B-497D-B2C7-CA2FDFE65255}" type="datetimeFigureOut">
               <a:rPr lang="zh-CN" altLang="en-US" smtClean="0"/>
-              <a:t>2018-5-22</a:t>
+              <a:t>2019/6/4</a:t>
             </a:fld>
             <a:endParaRPr lang="zh-CN" altLang="en-US"/>
           </a:p>
@@ -8482,7 +8482,7 @@
           <a:p>
             <a:fld id="{6A96AF3A-562B-497D-B2C7-CA2FDFE65255}" type="datetimeFigureOut">
               <a:rPr lang="zh-CN" altLang="en-US" smtClean="0"/>
-              <a:t>2018-5-22</a:t>
+              <a:t>2019/6/4</a:t>
             </a:fld>
             <a:endParaRPr lang="zh-CN" altLang="en-US"/>
           </a:p>
@@ -8690,7 +8690,7 @@
           <a:p>
             <a:fld id="{6A96AF3A-562B-497D-B2C7-CA2FDFE65255}" type="datetimeFigureOut">
               <a:rPr lang="zh-CN" altLang="en-US" smtClean="0"/>
-              <a:t>2018-5-22</a:t>
+              <a:t>2019/6/4</a:t>
             </a:fld>
             <a:endParaRPr lang="zh-CN" altLang="en-US"/>
           </a:p>
@@ -8865,7 +8865,7 @@
           <a:p>
             <a:fld id="{6A96AF3A-562B-497D-B2C7-CA2FDFE65255}" type="datetimeFigureOut">
               <a:rPr lang="zh-CN" altLang="en-US" smtClean="0"/>
-              <a:t>2018-5-22</a:t>
+              <a:t>2019/6/4</a:t>
             </a:fld>
             <a:endParaRPr lang="zh-CN" altLang="en-US"/>
           </a:p>
@@ -9196,7 +9196,7 @@
           <a:p>
             <a:fld id="{6A96AF3A-562B-497D-B2C7-CA2FDFE65255}" type="datetimeFigureOut">
               <a:rPr lang="zh-CN" altLang="en-US" smtClean="0"/>
-              <a:t>2018-5-22</a:t>
+              <a:t>2019/6/4</a:t>
             </a:fld>
             <a:endParaRPr lang="zh-CN" altLang="en-US"/>
           </a:p>
@@ -9539,7 +9539,7 @@
           <a:p>
             <a:fld id="{6A96AF3A-562B-497D-B2C7-CA2FDFE65255}" type="datetimeFigureOut">
               <a:rPr lang="zh-CN" altLang="en-US" smtClean="0"/>
-              <a:t>2018-5-22</a:t>
+              <a:t>2019/6/4</a:t>
             </a:fld>
             <a:endParaRPr lang="zh-CN" altLang="en-US"/>
           </a:p>
@@ -11654,7 +11654,7 @@
           <a:p>
             <a:fld id="{6A96AF3A-562B-497D-B2C7-CA2FDFE65255}" type="datetimeFigureOut">
               <a:rPr lang="zh-CN" altLang="en-US" smtClean="0"/>
-              <a:t>2018-5-22</a:t>
+              <a:t>2019/6/4</a:t>
             </a:fld>
             <a:endParaRPr lang="zh-CN" altLang="en-US"/>
           </a:p>
@@ -27974,297 +27974,6 @@
           </a:p>
         </p:txBody>
       </p:sp>
-      <p:grpSp>
-        <p:nvGrpSpPr>
-          <p:cNvPr id="11" name="组合 10"/>
-          <p:cNvGrpSpPr/>
-          <p:nvPr/>
-        </p:nvGrpSpPr>
-        <p:grpSpPr>
-          <a:xfrm>
-            <a:off x="3867618" y="4506968"/>
-            <a:ext cx="2744361" cy="1403033"/>
-            <a:chOff x="3400424" y="4038361"/>
-            <a:chExt cx="2744361" cy="1403033"/>
-          </a:xfrm>
-        </p:grpSpPr>
-        <p:sp>
-          <p:nvSpPr>
-            <p:cNvPr id="4" name="文本框 3"/>
-            <p:cNvSpPr txBox="1"/>
-            <p:nvPr/>
-          </p:nvSpPr>
-          <p:spPr>
-            <a:xfrm>
-              <a:off x="3583172" y="4443410"/>
-              <a:ext cx="691215" cy="369332"/>
-            </a:xfrm>
-            <a:prstGeom prst="rect">
-              <a:avLst/>
-            </a:prstGeom>
-            <a:noFill/>
-          </p:spPr>
-          <p:txBody>
-            <a:bodyPr wrap="none" rtlCol="0">
-              <a:spAutoFit/>
-            </a:bodyPr>
-            <a:lstStyle/>
-            <a:p>
-              <a:r>
-                <a:rPr lang="en-US" altLang="zh-CN" dirty="0"/>
-                <a:t>x&lt;L</a:t>
-              </a:r>
-              <a:r>
-                <a:rPr lang="en-US" altLang="zh-CN" baseline="-25000" dirty="0"/>
-                <a:t>i</a:t>
-              </a:r>
-              <a:endParaRPr lang="zh-CN" altLang="en-US" baseline="-25000" dirty="0"/>
-            </a:p>
-          </p:txBody>
-        </p:sp>
-        <p:sp>
-          <p:nvSpPr>
-            <p:cNvPr id="5" name="文本框 4"/>
-            <p:cNvSpPr txBox="1"/>
-            <p:nvPr/>
-          </p:nvSpPr>
-          <p:spPr>
-            <a:xfrm>
-              <a:off x="3400424" y="5072062"/>
-              <a:ext cx="415498" cy="369332"/>
-            </a:xfrm>
-            <a:prstGeom prst="rect">
-              <a:avLst/>
-            </a:prstGeom>
-            <a:noFill/>
-          </p:spPr>
-          <p:txBody>
-            <a:bodyPr wrap="none" rtlCol="0">
-              <a:spAutoFit/>
-            </a:bodyPr>
-            <a:lstStyle/>
-            <a:p>
-              <a:r>
-                <a:rPr lang="en-US" altLang="zh-CN" dirty="0" err="1"/>
-                <a:t>L</a:t>
-              </a:r>
-              <a:r>
-                <a:rPr lang="en-US" altLang="zh-CN" baseline="-25000" dirty="0" err="1"/>
-                <a:t>j</a:t>
-              </a:r>
-              <a:endParaRPr lang="zh-CN" altLang="en-US" baseline="-25000" dirty="0"/>
-            </a:p>
-          </p:txBody>
-        </p:sp>
-        <p:sp>
-          <p:nvSpPr>
-            <p:cNvPr id="6" name="文本框 5"/>
-            <p:cNvSpPr txBox="1"/>
-            <p:nvPr/>
-          </p:nvSpPr>
-          <p:spPr>
-            <a:xfrm>
-              <a:off x="5729287" y="5072062"/>
-              <a:ext cx="415498" cy="369332"/>
-            </a:xfrm>
-            <a:prstGeom prst="rect">
-              <a:avLst/>
-            </a:prstGeom>
-            <a:noFill/>
-          </p:spPr>
-          <p:txBody>
-            <a:bodyPr wrap="none" rtlCol="0">
-              <a:spAutoFit/>
-            </a:bodyPr>
-            <a:lstStyle/>
-            <a:p>
-              <a:r>
-                <a:rPr lang="en-US" altLang="zh-CN" dirty="0" err="1"/>
-                <a:t>L</a:t>
-              </a:r>
-              <a:r>
-                <a:rPr lang="en-US" altLang="zh-CN" baseline="-25000" dirty="0" err="1"/>
-                <a:t>j</a:t>
-              </a:r>
-              <a:endParaRPr lang="zh-CN" altLang="en-US" baseline="-25000" dirty="0"/>
-            </a:p>
-          </p:txBody>
-        </p:sp>
-        <p:sp>
-          <p:nvSpPr>
-            <p:cNvPr id="7" name="文本框 6"/>
-            <p:cNvSpPr txBox="1"/>
-            <p:nvPr/>
-          </p:nvSpPr>
-          <p:spPr>
-            <a:xfrm>
-              <a:off x="4564855" y="4038361"/>
-              <a:ext cx="415498" cy="369332"/>
-            </a:xfrm>
-            <a:prstGeom prst="rect">
-              <a:avLst/>
-            </a:prstGeom>
-            <a:noFill/>
-          </p:spPr>
-          <p:txBody>
-            <a:bodyPr wrap="none" rtlCol="0">
-              <a:spAutoFit/>
-            </a:bodyPr>
-            <a:lstStyle/>
-            <a:p>
-              <a:r>
-                <a:rPr lang="en-US" altLang="zh-CN" dirty="0"/>
-                <a:t>L</a:t>
-              </a:r>
-              <a:r>
-                <a:rPr lang="en-US" altLang="zh-CN" baseline="-25000" dirty="0"/>
-                <a:t>i</a:t>
-              </a:r>
-              <a:endParaRPr lang="zh-CN" altLang="en-US" baseline="-25000" dirty="0"/>
-            </a:p>
-          </p:txBody>
-        </p:sp>
-        <p:sp>
-          <p:nvSpPr>
-            <p:cNvPr id="8" name="文本框 7"/>
-            <p:cNvSpPr txBox="1"/>
-            <p:nvPr/>
-          </p:nvSpPr>
-          <p:spPr>
-            <a:xfrm>
-              <a:off x="5226512" y="4443410"/>
-              <a:ext cx="691215" cy="369332"/>
-            </a:xfrm>
-            <a:prstGeom prst="rect">
-              <a:avLst/>
-            </a:prstGeom>
-            <a:noFill/>
-          </p:spPr>
-          <p:txBody>
-            <a:bodyPr wrap="none" rtlCol="0">
-              <a:spAutoFit/>
-            </a:bodyPr>
-            <a:lstStyle/>
-            <a:p>
-              <a:r>
-                <a:rPr lang="en-US" altLang="zh-CN" dirty="0"/>
-                <a:t>x&gt;L</a:t>
-              </a:r>
-              <a:r>
-                <a:rPr lang="en-US" altLang="zh-CN" baseline="-25000" dirty="0"/>
-                <a:t>i</a:t>
-              </a:r>
-              <a:endParaRPr lang="zh-CN" altLang="en-US" baseline="-25000" dirty="0"/>
-            </a:p>
-          </p:txBody>
-        </p:sp>
-        <p:cxnSp>
-          <p:nvCxnSpPr>
-            <p:cNvPr id="10" name="直接连接符 9"/>
-            <p:cNvCxnSpPr>
-              <a:stCxn id="7" idx="2"/>
-              <a:endCxn id="5" idx="0"/>
-            </p:cNvCxnSpPr>
-            <p:nvPr/>
-          </p:nvCxnSpPr>
-          <p:spPr>
-            <a:xfrm flipH="1">
-              <a:off x="3608173" y="4407693"/>
-              <a:ext cx="1164431" cy="664369"/>
-            </a:xfrm>
-            <a:prstGeom prst="line">
-              <a:avLst/>
-            </a:prstGeom>
-          </p:spPr>
-          <p:style>
-            <a:lnRef idx="1">
-              <a:schemeClr val="accent1"/>
-            </a:lnRef>
-            <a:fillRef idx="0">
-              <a:schemeClr val="accent1"/>
-            </a:fillRef>
-            <a:effectRef idx="0">
-              <a:schemeClr val="accent1"/>
-            </a:effectRef>
-            <a:fontRef idx="minor">
-              <a:schemeClr val="tx1"/>
-            </a:fontRef>
-          </p:style>
-        </p:cxnSp>
-        <p:cxnSp>
-          <p:nvCxnSpPr>
-            <p:cNvPr id="12" name="直接连接符 11"/>
-            <p:cNvCxnSpPr>
-              <a:stCxn id="7" idx="2"/>
-              <a:endCxn id="6" idx="0"/>
-            </p:cNvCxnSpPr>
-            <p:nvPr/>
-          </p:nvCxnSpPr>
-          <p:spPr>
-            <a:xfrm>
-              <a:off x="4772604" y="4407693"/>
-              <a:ext cx="1164432" cy="664369"/>
-            </a:xfrm>
-            <a:prstGeom prst="line">
-              <a:avLst/>
-            </a:prstGeom>
-          </p:spPr>
-          <p:style>
-            <a:lnRef idx="1">
-              <a:schemeClr val="accent1"/>
-            </a:lnRef>
-            <a:fillRef idx="0">
-              <a:schemeClr val="accent1"/>
-            </a:fillRef>
-            <a:effectRef idx="0">
-              <a:schemeClr val="accent1"/>
-            </a:effectRef>
-            <a:fontRef idx="minor">
-              <a:schemeClr val="tx1"/>
-            </a:fontRef>
-          </p:style>
-        </p:cxnSp>
-        <p:sp>
-          <p:nvSpPr>
-            <p:cNvPr id="16" name="文本框 15">
-              <a:extLst>
-                <a:ext uri="{FF2B5EF4-FFF2-40B4-BE49-F238E27FC236}">
-                  <a16:creationId xmlns:a16="http://schemas.microsoft.com/office/drawing/2014/main" id="{C157D29B-F75D-438B-A093-F99DF3AC4E9A}"/>
-                </a:ext>
-              </a:extLst>
-            </p:cNvPr>
-            <p:cNvSpPr txBox="1"/>
-            <p:nvPr/>
-          </p:nvSpPr>
-          <p:spPr>
-            <a:xfrm>
-              <a:off x="4496009" y="4894938"/>
-              <a:ext cx="691215" cy="369332"/>
-            </a:xfrm>
-            <a:prstGeom prst="rect">
-              <a:avLst/>
-            </a:prstGeom>
-            <a:noFill/>
-          </p:spPr>
-          <p:txBody>
-            <a:bodyPr wrap="none" rtlCol="0">
-              <a:spAutoFit/>
-            </a:bodyPr>
-            <a:lstStyle/>
-            <a:p>
-              <a:r>
-                <a:rPr lang="en-US" altLang="zh-CN" dirty="0"/>
-                <a:t>x=L</a:t>
-              </a:r>
-              <a:r>
-                <a:rPr lang="en-US" altLang="zh-CN" baseline="-25000" dirty="0"/>
-                <a:t>i</a:t>
-              </a:r>
-              <a:endParaRPr lang="zh-CN" altLang="en-US" baseline="-25000" dirty="0"/>
-            </a:p>
-          </p:txBody>
-        </p:sp>
-      </p:grpSp>
       <p:sp>
         <p:nvSpPr>
           <p:cNvPr id="9" name="矩形 8"/>
@@ -28467,94 +28176,406 @@
           </a:p>
         </p:txBody>
       </p:sp>
-      <p:cxnSp>
-        <p:nvCxnSpPr>
-          <p:cNvPr id="14" name="直接连接符 13">
+      <p:grpSp>
+        <p:nvGrpSpPr>
+          <p:cNvPr id="3" name="组合 2">
             <a:extLst>
               <a:ext uri="{FF2B5EF4-FFF2-40B4-BE49-F238E27FC236}">
-                <a16:creationId xmlns:a16="http://schemas.microsoft.com/office/drawing/2014/main" id="{04015213-85BA-41F8-9784-F1DE0B6BD980}"/>
+                <a16:creationId xmlns:a16="http://schemas.microsoft.com/office/drawing/2014/main" id="{0A304FB7-3754-41C4-9572-C497D5938234}"/>
               </a:ext>
             </a:extLst>
           </p:cNvPr>
-          <p:cNvCxnSpPr>
-            <a:stCxn id="7" idx="2"/>
-          </p:cNvCxnSpPr>
+          <p:cNvGrpSpPr/>
           <p:nvPr/>
-        </p:nvCxnSpPr>
-        <p:spPr>
+        </p:nvGrpSpPr>
+        <p:grpSpPr>
           <a:xfrm>
-            <a:off x="5239798" y="4876300"/>
-            <a:ext cx="0" cy="405049"/>
+            <a:off x="3867618" y="4506968"/>
+            <a:ext cx="2744361" cy="1403033"/>
+            <a:chOff x="3867618" y="4506968"/>
+            <a:chExt cx="2744361" cy="1403033"/>
           </a:xfrm>
-          <a:prstGeom prst="line">
-            <a:avLst/>
-          </a:prstGeom>
-          <a:ln>
-            <a:prstDash val="dash"/>
-          </a:ln>
-        </p:spPr>
-        <p:style>
-          <a:lnRef idx="1">
-            <a:schemeClr val="accent1"/>
-          </a:lnRef>
-          <a:fillRef idx="0">
-            <a:schemeClr val="accent1"/>
-          </a:fillRef>
-          <a:effectRef idx="0">
-            <a:schemeClr val="accent1"/>
-          </a:effectRef>
-          <a:fontRef idx="minor">
-            <a:schemeClr val="tx1"/>
-          </a:fontRef>
-        </p:style>
-      </p:cxnSp>
-      <p:sp>
-        <p:nvSpPr>
-          <p:cNvPr id="15" name="椭圆 14">
-            <a:extLst>
-              <a:ext uri="{FF2B5EF4-FFF2-40B4-BE49-F238E27FC236}">
-                <a16:creationId xmlns:a16="http://schemas.microsoft.com/office/drawing/2014/main" id="{D22A7526-93E2-455A-B5BF-E559C73D1D1C}"/>
-              </a:ext>
-            </a:extLst>
-          </p:cNvPr>
-          <p:cNvSpPr/>
-          <p:nvPr/>
-        </p:nvSpPr>
-        <p:spPr>
-          <a:xfrm>
-            <a:off x="5170785" y="5288891"/>
-            <a:ext cx="138028" cy="138028"/>
-          </a:xfrm>
-          <a:prstGeom prst="ellipse">
-            <a:avLst/>
-          </a:prstGeom>
-          <a:noFill/>
-        </p:spPr>
-        <p:style>
-          <a:lnRef idx="2">
-            <a:schemeClr val="accent1">
-              <a:shade val="50000"/>
-            </a:schemeClr>
-          </a:lnRef>
-          <a:fillRef idx="1">
-            <a:schemeClr val="accent1"/>
-          </a:fillRef>
-          <a:effectRef idx="0">
-            <a:schemeClr val="accent1"/>
-          </a:effectRef>
-          <a:fontRef idx="minor">
-            <a:schemeClr val="lt1"/>
-          </a:fontRef>
-        </p:style>
-        <p:txBody>
-          <a:bodyPr rtlCol="0" anchor="ctr"/>
-          <a:lstStyle/>
-          <a:p>
-            <a:pPr algn="ctr"/>
-            <a:endParaRPr lang="zh-CN" altLang="en-US"/>
-          </a:p>
-        </p:txBody>
-      </p:sp>
+        </p:grpSpPr>
+        <p:grpSp>
+          <p:nvGrpSpPr>
+            <p:cNvPr id="11" name="组合 10"/>
+            <p:cNvGrpSpPr/>
+            <p:nvPr/>
+          </p:nvGrpSpPr>
+          <p:grpSpPr>
+            <a:xfrm>
+              <a:off x="3867618" y="4506968"/>
+              <a:ext cx="2744361" cy="1403033"/>
+              <a:chOff x="3400424" y="4038361"/>
+              <a:chExt cx="2744361" cy="1403033"/>
+            </a:xfrm>
+          </p:grpSpPr>
+          <p:sp>
+            <p:nvSpPr>
+              <p:cNvPr id="4" name="文本框 3"/>
+              <p:cNvSpPr txBox="1"/>
+              <p:nvPr/>
+            </p:nvSpPr>
+            <p:spPr>
+              <a:xfrm>
+                <a:off x="3583172" y="4443410"/>
+                <a:ext cx="691215" cy="369332"/>
+              </a:xfrm>
+              <a:prstGeom prst="rect">
+                <a:avLst/>
+              </a:prstGeom>
+              <a:noFill/>
+            </p:spPr>
+            <p:txBody>
+              <a:bodyPr wrap="none" rtlCol="0">
+                <a:spAutoFit/>
+              </a:bodyPr>
+              <a:lstStyle/>
+              <a:p>
+                <a:r>
+                  <a:rPr lang="en-US" altLang="zh-CN" dirty="0"/>
+                  <a:t>x&lt;L</a:t>
+                </a:r>
+                <a:r>
+                  <a:rPr lang="en-US" altLang="zh-CN" baseline="-25000" dirty="0"/>
+                  <a:t>i</a:t>
+                </a:r>
+                <a:endParaRPr lang="zh-CN" altLang="en-US" baseline="-25000" dirty="0"/>
+              </a:p>
+            </p:txBody>
+          </p:sp>
+          <p:sp>
+            <p:nvSpPr>
+              <p:cNvPr id="5" name="文本框 4"/>
+              <p:cNvSpPr txBox="1"/>
+              <p:nvPr/>
+            </p:nvSpPr>
+            <p:spPr>
+              <a:xfrm>
+                <a:off x="3400424" y="5072062"/>
+                <a:ext cx="415498" cy="369332"/>
+              </a:xfrm>
+              <a:prstGeom prst="rect">
+                <a:avLst/>
+              </a:prstGeom>
+              <a:noFill/>
+            </p:spPr>
+            <p:txBody>
+              <a:bodyPr wrap="none" rtlCol="0">
+                <a:spAutoFit/>
+              </a:bodyPr>
+              <a:lstStyle/>
+              <a:p>
+                <a:r>
+                  <a:rPr lang="en-US" altLang="zh-CN" dirty="0" err="1"/>
+                  <a:t>L</a:t>
+                </a:r>
+                <a:r>
+                  <a:rPr lang="en-US" altLang="zh-CN" baseline="-25000" dirty="0" err="1"/>
+                  <a:t>j</a:t>
+                </a:r>
+                <a:endParaRPr lang="zh-CN" altLang="en-US" baseline="-25000" dirty="0"/>
+              </a:p>
+            </p:txBody>
+          </p:sp>
+          <p:sp>
+            <p:nvSpPr>
+              <p:cNvPr id="6" name="文本框 5"/>
+              <p:cNvSpPr txBox="1"/>
+              <p:nvPr/>
+            </p:nvSpPr>
+            <p:spPr>
+              <a:xfrm>
+                <a:off x="5729287" y="5072062"/>
+                <a:ext cx="415498" cy="369332"/>
+              </a:xfrm>
+              <a:prstGeom prst="rect">
+                <a:avLst/>
+              </a:prstGeom>
+              <a:noFill/>
+            </p:spPr>
+            <p:txBody>
+              <a:bodyPr wrap="none" rtlCol="0">
+                <a:spAutoFit/>
+              </a:bodyPr>
+              <a:lstStyle/>
+              <a:p>
+                <a:r>
+                  <a:rPr lang="en-US" altLang="zh-CN" dirty="0" err="1"/>
+                  <a:t>L</a:t>
+                </a:r>
+                <a:r>
+                  <a:rPr lang="en-US" altLang="zh-CN" baseline="-25000" dirty="0" err="1"/>
+                  <a:t>j</a:t>
+                </a:r>
+                <a:endParaRPr lang="zh-CN" altLang="en-US" baseline="-25000" dirty="0"/>
+              </a:p>
+            </p:txBody>
+          </p:sp>
+          <p:sp>
+            <p:nvSpPr>
+              <p:cNvPr id="7" name="文本框 6"/>
+              <p:cNvSpPr txBox="1"/>
+              <p:nvPr/>
+            </p:nvSpPr>
+            <p:spPr>
+              <a:xfrm>
+                <a:off x="4564855" y="4038361"/>
+                <a:ext cx="415498" cy="369332"/>
+              </a:xfrm>
+              <a:prstGeom prst="rect">
+                <a:avLst/>
+              </a:prstGeom>
+              <a:noFill/>
+            </p:spPr>
+            <p:txBody>
+              <a:bodyPr wrap="none" rtlCol="0">
+                <a:spAutoFit/>
+              </a:bodyPr>
+              <a:lstStyle/>
+              <a:p>
+                <a:r>
+                  <a:rPr lang="en-US" altLang="zh-CN" dirty="0"/>
+                  <a:t>L</a:t>
+                </a:r>
+                <a:r>
+                  <a:rPr lang="en-US" altLang="zh-CN" baseline="-25000" dirty="0"/>
+                  <a:t>i</a:t>
+                </a:r>
+                <a:endParaRPr lang="zh-CN" altLang="en-US" baseline="-25000" dirty="0"/>
+              </a:p>
+            </p:txBody>
+          </p:sp>
+          <p:sp>
+            <p:nvSpPr>
+              <p:cNvPr id="8" name="文本框 7"/>
+              <p:cNvSpPr txBox="1"/>
+              <p:nvPr/>
+            </p:nvSpPr>
+            <p:spPr>
+              <a:xfrm>
+                <a:off x="5226512" y="4443410"/>
+                <a:ext cx="691215" cy="369332"/>
+              </a:xfrm>
+              <a:prstGeom prst="rect">
+                <a:avLst/>
+              </a:prstGeom>
+              <a:noFill/>
+            </p:spPr>
+            <p:txBody>
+              <a:bodyPr wrap="none" rtlCol="0">
+                <a:spAutoFit/>
+              </a:bodyPr>
+              <a:lstStyle/>
+              <a:p>
+                <a:r>
+                  <a:rPr lang="en-US" altLang="zh-CN" dirty="0"/>
+                  <a:t>x&gt;L</a:t>
+                </a:r>
+                <a:r>
+                  <a:rPr lang="en-US" altLang="zh-CN" baseline="-25000" dirty="0"/>
+                  <a:t>i</a:t>
+                </a:r>
+                <a:endParaRPr lang="zh-CN" altLang="en-US" baseline="-25000" dirty="0"/>
+              </a:p>
+            </p:txBody>
+          </p:sp>
+          <p:cxnSp>
+            <p:nvCxnSpPr>
+              <p:cNvPr id="10" name="直接连接符 9"/>
+              <p:cNvCxnSpPr>
+                <a:stCxn id="7" idx="2"/>
+                <a:endCxn id="5" idx="0"/>
+              </p:cNvCxnSpPr>
+              <p:nvPr/>
+            </p:nvCxnSpPr>
+            <p:spPr>
+              <a:xfrm flipH="1">
+                <a:off x="3608173" y="4407693"/>
+                <a:ext cx="1164431" cy="664369"/>
+              </a:xfrm>
+              <a:prstGeom prst="line">
+                <a:avLst/>
+              </a:prstGeom>
+            </p:spPr>
+            <p:style>
+              <a:lnRef idx="1">
+                <a:schemeClr val="accent1"/>
+              </a:lnRef>
+              <a:fillRef idx="0">
+                <a:schemeClr val="accent1"/>
+              </a:fillRef>
+              <a:effectRef idx="0">
+                <a:schemeClr val="accent1"/>
+              </a:effectRef>
+              <a:fontRef idx="minor">
+                <a:schemeClr val="tx1"/>
+              </a:fontRef>
+            </p:style>
+          </p:cxnSp>
+          <p:cxnSp>
+            <p:nvCxnSpPr>
+              <p:cNvPr id="12" name="直接连接符 11"/>
+              <p:cNvCxnSpPr>
+                <a:stCxn id="7" idx="2"/>
+                <a:endCxn id="6" idx="0"/>
+              </p:cNvCxnSpPr>
+              <p:nvPr/>
+            </p:nvCxnSpPr>
+            <p:spPr>
+              <a:xfrm>
+                <a:off x="4772604" y="4407693"/>
+                <a:ext cx="1164432" cy="664369"/>
+              </a:xfrm>
+              <a:prstGeom prst="line">
+                <a:avLst/>
+              </a:prstGeom>
+            </p:spPr>
+            <p:style>
+              <a:lnRef idx="1">
+                <a:schemeClr val="accent1"/>
+              </a:lnRef>
+              <a:fillRef idx="0">
+                <a:schemeClr val="accent1"/>
+              </a:fillRef>
+              <a:effectRef idx="0">
+                <a:schemeClr val="accent1"/>
+              </a:effectRef>
+              <a:fontRef idx="minor">
+                <a:schemeClr val="tx1"/>
+              </a:fontRef>
+            </p:style>
+          </p:cxnSp>
+          <p:sp>
+            <p:nvSpPr>
+              <p:cNvPr id="16" name="文本框 15">
+                <a:extLst>
+                  <a:ext uri="{FF2B5EF4-FFF2-40B4-BE49-F238E27FC236}">
+                    <a16:creationId xmlns:a16="http://schemas.microsoft.com/office/drawing/2014/main" id="{C157D29B-F75D-438B-A093-F99DF3AC4E9A}"/>
+                  </a:ext>
+                </a:extLst>
+              </p:cNvPr>
+              <p:cNvSpPr txBox="1"/>
+              <p:nvPr/>
+            </p:nvSpPr>
+            <p:spPr>
+              <a:xfrm>
+                <a:off x="4496009" y="4894938"/>
+                <a:ext cx="691215" cy="369332"/>
+              </a:xfrm>
+              <a:prstGeom prst="rect">
+                <a:avLst/>
+              </a:prstGeom>
+              <a:noFill/>
+            </p:spPr>
+            <p:txBody>
+              <a:bodyPr wrap="none" rtlCol="0">
+                <a:spAutoFit/>
+              </a:bodyPr>
+              <a:lstStyle/>
+              <a:p>
+                <a:r>
+                  <a:rPr lang="en-US" altLang="zh-CN" dirty="0"/>
+                  <a:t>x=L</a:t>
+                </a:r>
+                <a:r>
+                  <a:rPr lang="en-US" altLang="zh-CN" baseline="-25000" dirty="0"/>
+                  <a:t>i</a:t>
+                </a:r>
+                <a:endParaRPr lang="zh-CN" altLang="en-US" baseline="-25000" dirty="0"/>
+              </a:p>
+            </p:txBody>
+          </p:sp>
+        </p:grpSp>
+        <p:cxnSp>
+          <p:nvCxnSpPr>
+            <p:cNvPr id="14" name="直接连接符 13">
+              <a:extLst>
+                <a:ext uri="{FF2B5EF4-FFF2-40B4-BE49-F238E27FC236}">
+                  <a16:creationId xmlns:a16="http://schemas.microsoft.com/office/drawing/2014/main" id="{04015213-85BA-41F8-9784-F1DE0B6BD980}"/>
+                </a:ext>
+              </a:extLst>
+            </p:cNvPr>
+            <p:cNvCxnSpPr>
+              <a:stCxn id="7" idx="2"/>
+            </p:cNvCxnSpPr>
+            <p:nvPr/>
+          </p:nvCxnSpPr>
+          <p:spPr>
+            <a:xfrm>
+              <a:off x="5239798" y="4876300"/>
+              <a:ext cx="0" cy="405049"/>
+            </a:xfrm>
+            <a:prstGeom prst="line">
+              <a:avLst/>
+            </a:prstGeom>
+            <a:ln>
+              <a:prstDash val="dash"/>
+            </a:ln>
+          </p:spPr>
+          <p:style>
+            <a:lnRef idx="1">
+              <a:schemeClr val="accent1"/>
+            </a:lnRef>
+            <a:fillRef idx="0">
+              <a:schemeClr val="accent1"/>
+            </a:fillRef>
+            <a:effectRef idx="0">
+              <a:schemeClr val="accent1"/>
+            </a:effectRef>
+            <a:fontRef idx="minor">
+              <a:schemeClr val="tx1"/>
+            </a:fontRef>
+          </p:style>
+        </p:cxnSp>
+        <p:sp>
+          <p:nvSpPr>
+            <p:cNvPr id="15" name="椭圆 14">
+              <a:extLst>
+                <a:ext uri="{FF2B5EF4-FFF2-40B4-BE49-F238E27FC236}">
+                  <a16:creationId xmlns:a16="http://schemas.microsoft.com/office/drawing/2014/main" id="{D22A7526-93E2-455A-B5BF-E559C73D1D1C}"/>
+                </a:ext>
+              </a:extLst>
+            </p:cNvPr>
+            <p:cNvSpPr/>
+            <p:nvPr/>
+          </p:nvSpPr>
+          <p:spPr>
+            <a:xfrm>
+              <a:off x="5170785" y="5288891"/>
+              <a:ext cx="138028" cy="138028"/>
+            </a:xfrm>
+            <a:prstGeom prst="ellipse">
+              <a:avLst/>
+            </a:prstGeom>
+            <a:noFill/>
+          </p:spPr>
+          <p:style>
+            <a:lnRef idx="2">
+              <a:schemeClr val="accent1">
+                <a:shade val="50000"/>
+              </a:schemeClr>
+            </a:lnRef>
+            <a:fillRef idx="1">
+              <a:schemeClr val="accent1"/>
+            </a:fillRef>
+            <a:effectRef idx="0">
+              <a:schemeClr val="accent1"/>
+            </a:effectRef>
+            <a:fontRef idx="minor">
+              <a:schemeClr val="lt1"/>
+            </a:fontRef>
+          </p:style>
+          <p:txBody>
+            <a:bodyPr rtlCol="0" anchor="ctr"/>
+            <a:lstStyle/>
+            <a:p>
+              <a:pPr algn="ctr"/>
+              <a:endParaRPr lang="zh-CN" altLang="en-US"/>
+            </a:p>
+          </p:txBody>
+        </p:sp>
+      </p:grpSp>
     </p:spTree>
     <p:extLst>
       <p:ext uri="{BB962C8B-B14F-4D97-AF65-F5344CB8AC3E}">
@@ -28644,7 +28665,7 @@
                                           </p:stCondLst>
                                         </p:cTn>
                                         <p:tgtEl>
-                                          <p:spTgt spid="11"/>
+                                          <p:spTgt spid="3"/>
                                         </p:tgtEl>
                                         <p:attrNameLst>
                                           <p:attrName>style.visibility</p:attrName>
@@ -36365,8 +36386,8 @@
           </a:p>
         </p:txBody>
       </p:sp>
-      <mc:AlternateContent xmlns:mc="http://schemas.openxmlformats.org/markup-compatibility/2006">
-        <mc:Choice xmlns:a14="http://schemas.microsoft.com/office/drawing/2010/main" Requires="a14">
+      <mc:AlternateContent xmlns:mc="http://schemas.openxmlformats.org/markup-compatibility/2006" xmlns:a14="http://schemas.microsoft.com/office/drawing/2010/main">
+        <mc:Choice Requires="a14">
           <p:sp>
             <p:nvSpPr>
               <p:cNvPr id="11" name="矩形 10">
@@ -36450,7 +36471,7 @@
             </p:txBody>
           </p:sp>
         </mc:Choice>
-        <mc:Fallback>
+        <mc:Fallback xmlns="">
           <p:sp>
             <p:nvSpPr>
               <p:cNvPr id="11" name="矩形 10">

--- a/教案/第3章 问题复杂性.pptx
+++ b/教案/第3章 问题复杂性.pptx
@@ -994,7 +994,7 @@
           <a:p>
             <a:fld id="{7B9FDDD0-F430-4622-8B7B-3323484350E4}" type="datetimeFigureOut">
               <a:rPr lang="zh-CN" altLang="en-US" smtClean="0"/>
-              <a:t>2019/6/4</a:t>
+              <a:t>2022/6/5</a:t>
             </a:fld>
             <a:endParaRPr lang="zh-CN" altLang="en-US"/>
           </a:p>
@@ -4796,7 +4796,7 @@
           <a:p>
             <a:fld id="{6A96AF3A-562B-497D-B2C7-CA2FDFE65255}" type="datetimeFigureOut">
               <a:rPr lang="zh-CN" altLang="en-US" smtClean="0"/>
-              <a:t>2019/6/4</a:t>
+              <a:t>2022/6/5</a:t>
             </a:fld>
             <a:endParaRPr lang="zh-CN" altLang="en-US"/>
           </a:p>
@@ -5128,7 +5128,7 @@
           <a:p>
             <a:fld id="{6A96AF3A-562B-497D-B2C7-CA2FDFE65255}" type="datetimeFigureOut">
               <a:rPr lang="zh-CN" altLang="en-US" smtClean="0"/>
-              <a:t>2019/6/4</a:t>
+              <a:t>2022/6/5</a:t>
             </a:fld>
             <a:endParaRPr lang="zh-CN" altLang="en-US"/>
           </a:p>
@@ -5527,7 +5527,7 @@
           <a:p>
             <a:fld id="{6A96AF3A-562B-497D-B2C7-CA2FDFE65255}" type="datetimeFigureOut">
               <a:rPr lang="zh-CN" altLang="en-US" smtClean="0"/>
-              <a:t>2019/6/4</a:t>
+              <a:t>2022/6/5</a:t>
             </a:fld>
             <a:endParaRPr lang="zh-CN" altLang="en-US"/>
           </a:p>
@@ -5861,7 +5861,7 @@
           <a:p>
             <a:fld id="{6A96AF3A-562B-497D-B2C7-CA2FDFE65255}" type="datetimeFigureOut">
               <a:rPr lang="zh-CN" altLang="en-US" smtClean="0"/>
-              <a:t>2019/6/4</a:t>
+              <a:t>2022/6/5</a:t>
             </a:fld>
             <a:endParaRPr lang="zh-CN" altLang="en-US"/>
           </a:p>
@@ -6179,7 +6179,7 @@
           <a:p>
             <a:fld id="{6A96AF3A-562B-497D-B2C7-CA2FDFE65255}" type="datetimeFigureOut">
               <a:rPr lang="zh-CN" altLang="en-US" smtClean="0"/>
-              <a:t>2019/6/4</a:t>
+              <a:t>2022/6/5</a:t>
             </a:fld>
             <a:endParaRPr lang="zh-CN" altLang="en-US"/>
           </a:p>
@@ -6573,7 +6573,7 @@
           <a:p>
             <a:fld id="{6A96AF3A-562B-497D-B2C7-CA2FDFE65255}" type="datetimeFigureOut">
               <a:rPr lang="zh-CN" altLang="en-US" smtClean="0"/>
-              <a:t>2019/6/4</a:t>
+              <a:t>2022/6/5</a:t>
             </a:fld>
             <a:endParaRPr lang="zh-CN" altLang="en-US"/>
           </a:p>
@@ -6828,7 +6828,7 @@
           <a:p>
             <a:fld id="{6A96AF3A-562B-497D-B2C7-CA2FDFE65255}" type="datetimeFigureOut">
               <a:rPr lang="zh-CN" altLang="en-US" smtClean="0"/>
-              <a:t>2019/6/4</a:t>
+              <a:t>2022/6/5</a:t>
             </a:fld>
             <a:endParaRPr lang="zh-CN" altLang="en-US"/>
           </a:p>
@@ -7088,7 +7088,7 @@
           <a:p>
             <a:fld id="{6A96AF3A-562B-497D-B2C7-CA2FDFE65255}" type="datetimeFigureOut">
               <a:rPr lang="zh-CN" altLang="en-US" smtClean="0"/>
-              <a:t>2019/6/4</a:t>
+              <a:t>2022/6/5</a:t>
             </a:fld>
             <a:endParaRPr lang="zh-CN" altLang="en-US"/>
           </a:p>
@@ -7379,7 +7379,7 @@
           <a:p>
             <a:fld id="{6A96AF3A-562B-497D-B2C7-CA2FDFE65255}" type="datetimeFigureOut">
               <a:rPr lang="zh-CN" altLang="en-US" smtClean="0"/>
-              <a:t>2019/6/4</a:t>
+              <a:t>2022/6/5</a:t>
             </a:fld>
             <a:endParaRPr lang="zh-CN" altLang="en-US"/>
           </a:p>
@@ -7706,7 +7706,7 @@
           <a:p>
             <a:fld id="{6A96AF3A-562B-497D-B2C7-CA2FDFE65255}" type="datetimeFigureOut">
               <a:rPr lang="zh-CN" altLang="en-US" smtClean="0"/>
-              <a:t>2019/6/4</a:t>
+              <a:t>2022/6/5</a:t>
             </a:fld>
             <a:endParaRPr lang="zh-CN" altLang="en-US"/>
           </a:p>
@@ -8027,7 +8027,7 @@
           <a:p>
             <a:fld id="{6A96AF3A-562B-497D-B2C7-CA2FDFE65255}" type="datetimeFigureOut">
               <a:rPr lang="zh-CN" altLang="en-US" smtClean="0"/>
-              <a:t>2019/6/4</a:t>
+              <a:t>2022/6/5</a:t>
             </a:fld>
             <a:endParaRPr lang="zh-CN" altLang="en-US"/>
           </a:p>
@@ -8482,7 +8482,7 @@
           <a:p>
             <a:fld id="{6A96AF3A-562B-497D-B2C7-CA2FDFE65255}" type="datetimeFigureOut">
               <a:rPr lang="zh-CN" altLang="en-US" smtClean="0"/>
-              <a:t>2019/6/4</a:t>
+              <a:t>2022/6/5</a:t>
             </a:fld>
             <a:endParaRPr lang="zh-CN" altLang="en-US"/>
           </a:p>
@@ -8690,7 +8690,7 @@
           <a:p>
             <a:fld id="{6A96AF3A-562B-497D-B2C7-CA2FDFE65255}" type="datetimeFigureOut">
               <a:rPr lang="zh-CN" altLang="en-US" smtClean="0"/>
-              <a:t>2019/6/4</a:t>
+              <a:t>2022/6/5</a:t>
             </a:fld>
             <a:endParaRPr lang="zh-CN" altLang="en-US"/>
           </a:p>
@@ -8865,7 +8865,7 @@
           <a:p>
             <a:fld id="{6A96AF3A-562B-497D-B2C7-CA2FDFE65255}" type="datetimeFigureOut">
               <a:rPr lang="zh-CN" altLang="en-US" smtClean="0"/>
-              <a:t>2019/6/4</a:t>
+              <a:t>2022/6/5</a:t>
             </a:fld>
             <a:endParaRPr lang="zh-CN" altLang="en-US"/>
           </a:p>
@@ -9196,7 +9196,7 @@
           <a:p>
             <a:fld id="{6A96AF3A-562B-497D-B2C7-CA2FDFE65255}" type="datetimeFigureOut">
               <a:rPr lang="zh-CN" altLang="en-US" smtClean="0"/>
-              <a:t>2019/6/4</a:t>
+              <a:t>2022/6/5</a:t>
             </a:fld>
             <a:endParaRPr lang="zh-CN" altLang="en-US"/>
           </a:p>
@@ -9539,7 +9539,7 @@
           <a:p>
             <a:fld id="{6A96AF3A-562B-497D-B2C7-CA2FDFE65255}" type="datetimeFigureOut">
               <a:rPr lang="zh-CN" altLang="en-US" smtClean="0"/>
-              <a:t>2019/6/4</a:t>
+              <a:t>2022/6/5</a:t>
             </a:fld>
             <a:endParaRPr lang="zh-CN" altLang="en-US"/>
           </a:p>
@@ -11654,7 +11654,7 @@
           <a:p>
             <a:fld id="{6A96AF3A-562B-497D-B2C7-CA2FDFE65255}" type="datetimeFigureOut">
               <a:rPr lang="zh-CN" altLang="en-US" smtClean="0"/>
-              <a:t>2019/6/4</a:t>
+              <a:t>2022/6/5</a:t>
             </a:fld>
             <a:endParaRPr lang="zh-CN" altLang="en-US"/>
           </a:p>
@@ -22952,7 +22952,7 @@
         <p:spPr>
           <a:xfrm>
             <a:off x="1945200" y="2421870"/>
-            <a:ext cx="6249909" cy="830997"/>
+            <a:ext cx="6937543" cy="800219"/>
           </a:xfrm>
           <a:prstGeom prst="rect">
             <a:avLst/>
@@ -23036,7 +23036,7 @@
             </a:r>
             <a:r>
               <a:rPr lang="en-US" altLang="zh-CN" sz="1600" dirty="0"/>
-              <a:t>, x</a:t>
+              <a:t>, max(x</a:t>
             </a:r>
             <a:r>
               <a:rPr lang="en-US" altLang="zh-CN" sz="1600" baseline="-25000" dirty="0"/>
@@ -23044,7 +23044,15 @@
             </a:r>
             <a:r>
               <a:rPr lang="en-US" altLang="zh-CN" sz="1600" dirty="0"/>
-              <a:t>:x</a:t>
+              <a:t>/x</a:t>
+            </a:r>
+            <a:r>
+              <a:rPr lang="en-US" altLang="zh-CN" sz="1600" baseline="-25000" dirty="0"/>
+              <a:t>2</a:t>
+            </a:r>
+            <a:r>
+              <a:rPr lang="en-US" altLang="zh-CN" sz="1600" dirty="0"/>
+              <a:t>):x</a:t>
             </a:r>
             <a:r>
               <a:rPr lang="en-US" altLang="zh-CN" sz="1600" baseline="-25000" dirty="0"/>
@@ -23068,7 +23076,7 @@
             </a:r>
             <a:r>
               <a:rPr lang="en-US" altLang="zh-CN" sz="1600" dirty="0"/>
-              <a:t>, x</a:t>
+              <a:t>, max(x</a:t>
             </a:r>
             <a:r>
               <a:rPr lang="en-US" altLang="zh-CN" sz="1600" baseline="-25000" dirty="0"/>
@@ -23076,11 +23084,39 @@
             </a:r>
             <a:r>
               <a:rPr lang="en-US" altLang="zh-CN" sz="1600" dirty="0"/>
-              <a:t>:x</a:t>
+              <a:t>/x</a:t>
+            </a:r>
+            <a:r>
+              <a:rPr lang="en-US" altLang="zh-CN" sz="1600" baseline="-25000" dirty="0"/>
+              <a:t>2</a:t>
+            </a:r>
+            <a:r>
+              <a:rPr lang="en-US" altLang="zh-CN" sz="1600" dirty="0"/>
+              <a:t>/x</a:t>
+            </a:r>
+            <a:r>
+              <a:rPr lang="en-US" altLang="zh-CN" sz="1600" baseline="-25000" dirty="0"/>
+              <a:t>3</a:t>
+            </a:r>
+            <a:r>
+              <a:rPr lang="en-US" altLang="zh-CN" sz="1600" dirty="0"/>
+              <a:t>):max(x</a:t>
             </a:r>
             <a:r>
               <a:rPr lang="en-US" altLang="zh-CN" sz="1600" baseline="-25000" dirty="0"/>
               <a:t>4</a:t>
+            </a:r>
+            <a:r>
+              <a:rPr lang="en-US" altLang="zh-CN" sz="1600" dirty="0"/>
+              <a:t>,x</a:t>
+            </a:r>
+            <a:r>
+              <a:rPr lang="en-US" altLang="zh-CN" sz="1600" baseline="-25000" dirty="0"/>
+              <a:t>5</a:t>
+            </a:r>
+            <a:r>
+              <a:rPr lang="en-US" altLang="zh-CN" sz="1600" dirty="0"/>
+              <a:t>)</a:t>
             </a:r>
             <a:endParaRPr lang="zh-CN" altLang="en-US" sz="1600" baseline="-25000" dirty="0"/>
           </a:p>
